--- a/_site/files/Slides_緊急事態宣言解除基準_0115.pptx
+++ b/_site/files/Slides_緊急事態宣言解除基準_0115.pptx
@@ -215,7 +215,7 @@
           <a:p>
             <a:fld id="{9829E89A-A1E9-4F49-8C35-1A4CCF5A54DE}" type="datetimeFigureOut">
               <a:rPr kumimoji="1" lang="ja-JP" altLang="en-US" smtClean="0"/>
-              <a:t>2021/1/16</a:t>
+              <a:t>2021/1/18</a:t>
             </a:fld>
             <a:endParaRPr kumimoji="1" lang="ja-JP" altLang="en-US"/>
           </a:p>
@@ -381,7 +381,7 @@
           <a:p>
             <a:fld id="{EDB63CB0-A50E-4976-8D0A-12F5DED8E53B}" type="datetimeFigureOut">
               <a:rPr kumimoji="1" lang="ja-JP" altLang="en-US" smtClean="0"/>
-              <a:t>2021/1/16</a:t>
+              <a:t>2021/1/18</a:t>
             </a:fld>
             <a:endParaRPr kumimoji="1" lang="ja-JP" altLang="en-US"/>
           </a:p>
@@ -1805,7 +1805,7 @@
           <a:p>
             <a:fld id="{BFF29D8C-09E1-43E4-B922-1E534369A4F5}" type="datetime1">
               <a:rPr kumimoji="1" lang="ja-JP" altLang="en-US" smtClean="0"/>
-              <a:t>2021/1/16</a:t>
+              <a:t>2021/1/18</a:t>
             </a:fld>
             <a:endParaRPr kumimoji="1" lang="ja-JP" altLang="en-US"/>
           </a:p>
@@ -2035,7 +2035,7 @@
           <a:p>
             <a:fld id="{5F7EAB57-47B1-41C9-B0D8-22766E4E2649}" type="datetime1">
               <a:rPr kumimoji="1" lang="ja-JP" altLang="en-US" smtClean="0"/>
-              <a:t>2021/1/16</a:t>
+              <a:t>2021/1/18</a:t>
             </a:fld>
             <a:endParaRPr kumimoji="1" lang="ja-JP" altLang="en-US"/>
           </a:p>
@@ -2275,7 +2275,7 @@
           <a:p>
             <a:fld id="{5425E2F1-6D61-44F7-8FE0-E1C24C4FBE32}" type="datetime1">
               <a:rPr kumimoji="1" lang="ja-JP" altLang="en-US" smtClean="0"/>
-              <a:t>2021/1/16</a:t>
+              <a:t>2021/1/18</a:t>
             </a:fld>
             <a:endParaRPr kumimoji="1" lang="ja-JP" altLang="en-US"/>
           </a:p>
@@ -2505,7 +2505,7 @@
           <a:p>
             <a:fld id="{23677045-343A-4FC8-8EFF-A9151CEA34FC}" type="datetime1">
               <a:rPr kumimoji="1" lang="ja-JP" altLang="en-US" smtClean="0"/>
-              <a:t>2021/1/16</a:t>
+              <a:t>2021/1/18</a:t>
             </a:fld>
             <a:endParaRPr kumimoji="1" lang="ja-JP" altLang="en-US"/>
           </a:p>
@@ -2780,7 +2780,7 @@
           <a:p>
             <a:fld id="{D227780A-D0DD-4963-91FB-7BF5F878622C}" type="datetime1">
               <a:rPr kumimoji="1" lang="ja-JP" altLang="en-US" smtClean="0"/>
-              <a:t>2021/1/16</a:t>
+              <a:t>2021/1/18</a:t>
             </a:fld>
             <a:endParaRPr kumimoji="1" lang="ja-JP" altLang="en-US"/>
           </a:p>
@@ -3109,7 +3109,7 @@
           <a:p>
             <a:fld id="{D41832AE-7EC9-483D-995A-B34D92ED046F}" type="datetime1">
               <a:rPr kumimoji="1" lang="ja-JP" altLang="en-US" smtClean="0"/>
-              <a:t>2021/1/16</a:t>
+              <a:t>2021/1/18</a:t>
             </a:fld>
             <a:endParaRPr kumimoji="1" lang="ja-JP" altLang="en-US"/>
           </a:p>
@@ -3585,7 +3585,7 @@
           <a:p>
             <a:fld id="{AD66EDCC-2C7E-4413-87FF-5023FB798727}" type="datetime1">
               <a:rPr kumimoji="1" lang="ja-JP" altLang="en-US" smtClean="0"/>
-              <a:t>2021/1/16</a:t>
+              <a:t>2021/1/18</a:t>
             </a:fld>
             <a:endParaRPr kumimoji="1" lang="ja-JP" altLang="en-US"/>
           </a:p>
@@ -3726,7 +3726,7 @@
           <a:p>
             <a:fld id="{E59A185B-DB80-4595-90FC-C72F338E9C80}" type="datetime1">
               <a:rPr kumimoji="1" lang="ja-JP" altLang="en-US" smtClean="0"/>
-              <a:t>2021/1/16</a:t>
+              <a:t>2021/1/18</a:t>
             </a:fld>
             <a:endParaRPr kumimoji="1" lang="ja-JP" altLang="en-US"/>
           </a:p>
@@ -3839,7 +3839,7 @@
           <a:p>
             <a:fld id="{544BF5DC-BFF8-4A3A-89D1-390815283CBE}" type="datetime1">
               <a:rPr kumimoji="1" lang="ja-JP" altLang="en-US" smtClean="0"/>
-              <a:t>2021/1/16</a:t>
+              <a:t>2021/1/18</a:t>
             </a:fld>
             <a:endParaRPr kumimoji="1" lang="ja-JP" altLang="en-US"/>
           </a:p>
@@ -4182,7 +4182,7 @@
           <a:p>
             <a:fld id="{ECD64C8E-969A-4003-BC22-500DB1E8E5D3}" type="datetime1">
               <a:rPr kumimoji="1" lang="ja-JP" altLang="en-US" smtClean="0"/>
-              <a:t>2021/1/16</a:t>
+              <a:t>2021/1/18</a:t>
             </a:fld>
             <a:endParaRPr kumimoji="1" lang="ja-JP" altLang="en-US"/>
           </a:p>
@@ -4470,7 +4470,7 @@
           <a:p>
             <a:fld id="{67DFCCDC-DFEB-4086-A57C-A81903EA77A1}" type="datetime1">
               <a:rPr kumimoji="1" lang="ja-JP" altLang="en-US" smtClean="0"/>
-              <a:t>2021/1/16</a:t>
+              <a:t>2021/1/18</a:t>
             </a:fld>
             <a:endParaRPr kumimoji="1" lang="ja-JP" altLang="en-US"/>
           </a:p>
@@ -4743,7 +4743,7 @@
           <a:p>
             <a:fld id="{C8D0075A-173B-439D-A2E6-77C8C81F0F58}" type="datetime1">
               <a:rPr kumimoji="1" lang="ja-JP" altLang="en-US" smtClean="0"/>
-              <a:t>2021/1/16</a:t>
+              <a:t>2021/1/18</a:t>
             </a:fld>
             <a:endParaRPr kumimoji="1" lang="ja-JP" altLang="en-US"/>
           </a:p>
@@ -5682,14 +5682,14 @@
               <a:t>週４０万本だ</a:t>
             </a:r>
             <a:r>
-              <a:rPr lang="ja-JP" altLang="en-US" sz="2800" smtClean="0">
+              <a:rPr lang="ja-JP" altLang="en-US" sz="2800">
                 <a:latin typeface="游明朝" panose="02020400000000000000" pitchFamily="18" charset="-128"/>
                 <a:ea typeface="游明朝" panose="02020400000000000000" pitchFamily="18" charset="-128"/>
               </a:rPr>
               <a:t>と「再度緊急宣言」回避出来て</a:t>
             </a:r>
             <a:r>
-              <a:rPr lang="en-US" altLang="ja-JP" sz="2800" dirty="0" smtClean="0">
+              <a:rPr lang="en-US" altLang="ja-JP" sz="2800" dirty="0">
                 <a:latin typeface="游明朝" panose="02020400000000000000" pitchFamily="18" charset="-128"/>
                 <a:ea typeface="游明朝" panose="02020400000000000000" pitchFamily="18" charset="-128"/>
               </a:rPr>
@@ -6938,21 +6938,10 @@
                 <a:ea typeface="游明朝" panose="02020400000000000000" pitchFamily="18" charset="-128"/>
                 <a:cs typeface="Times New Roman" panose="02020603050405020304" pitchFamily="18" charset="0"/>
               </a:rPr>
-              <a:t>GDP </a:t>
-            </a:r>
-            <a:r>
-              <a:rPr lang="en-US" altLang="ja-JP" kern="100" dirty="0" smtClean="0">
-                <a:solidFill>
-                  <a:srgbClr val="000000"/>
-                </a:solidFill>
-                <a:latin typeface="游明朝" panose="02020400000000000000" pitchFamily="18" charset="-128"/>
-                <a:ea typeface="游明朝" panose="02020400000000000000" pitchFamily="18" charset="-128"/>
-                <a:cs typeface="Times New Roman" panose="02020603050405020304" pitchFamily="18" charset="0"/>
-              </a:rPr>
-              <a:t>loss</a:t>
-            </a:r>
-            <a:r>
-              <a:rPr lang="ja-JP" altLang="en-US" kern="100" dirty="0" smtClean="0">
+              <a:t>GDP loss</a:t>
+            </a:r>
+            <a:r>
+              <a:rPr lang="ja-JP" altLang="en-US" kern="100" dirty="0">
                 <a:solidFill>
                   <a:srgbClr val="000000"/>
                 </a:solidFill>
@@ -6963,7 +6952,7 @@
               <a:t>約</a:t>
             </a:r>
             <a:r>
-              <a:rPr lang="en-US" altLang="ja-JP" kern="100" dirty="0" smtClean="0">
+              <a:rPr lang="en-US" altLang="ja-JP" kern="100" dirty="0">
                 <a:solidFill>
                   <a:srgbClr val="000000"/>
                 </a:solidFill>
@@ -7007,21 +6996,10 @@
                 <a:ea typeface="游明朝" panose="02020400000000000000" pitchFamily="18" charset="-128"/>
                 <a:cs typeface="Times New Roman" panose="02020603050405020304" pitchFamily="18" charset="0"/>
               </a:rPr>
-              <a:t>一日感染者</a:t>
-            </a:r>
-            <a:r>
-              <a:rPr lang="ja-JP" altLang="en-US" kern="100" dirty="0" smtClean="0">
-                <a:solidFill>
-                  <a:srgbClr val="000000"/>
-                </a:solidFill>
-                <a:latin typeface="游明朝" panose="02020400000000000000" pitchFamily="18" charset="-128"/>
-                <a:ea typeface="游明朝" panose="02020400000000000000" pitchFamily="18" charset="-128"/>
-                <a:cs typeface="Times New Roman" panose="02020603050405020304" pitchFamily="18" charset="0"/>
-              </a:rPr>
-              <a:t>数</a:t>
-            </a:r>
-            <a:r>
-              <a:rPr lang="en-US" altLang="ja-JP" kern="100" dirty="0" smtClean="0">
+              <a:t>一日感染者数</a:t>
+            </a:r>
+            <a:r>
+              <a:rPr lang="en-US" altLang="ja-JP" kern="100" dirty="0">
                 <a:solidFill>
                   <a:srgbClr val="000000"/>
                 </a:solidFill>
@@ -7032,17 +7010,6 @@
               <a:t>2,000</a:t>
             </a:r>
             <a:r>
-              <a:rPr lang="ja-JP" altLang="en-US" kern="100" dirty="0" smtClean="0">
-                <a:solidFill>
-                  <a:srgbClr val="000000"/>
-                </a:solidFill>
-                <a:latin typeface="游明朝" panose="02020400000000000000" pitchFamily="18" charset="-128"/>
-                <a:ea typeface="游明朝" panose="02020400000000000000" pitchFamily="18" charset="-128"/>
-                <a:cs typeface="Times New Roman" panose="02020603050405020304" pitchFamily="18" charset="0"/>
-              </a:rPr>
-              <a:t>人</a:t>
-            </a:r>
-            <a:r>
               <a:rPr lang="ja-JP" altLang="en-US" kern="100" dirty="0">
                 <a:solidFill>
                   <a:srgbClr val="000000"/>
@@ -7051,7 +7018,7 @@
                 <a:ea typeface="游明朝" panose="02020400000000000000" pitchFamily="18" charset="-128"/>
                 <a:cs typeface="Times New Roman" panose="02020603050405020304" pitchFamily="18" charset="0"/>
               </a:rPr>
-              <a:t>を超えたら、「一日の新規感染者を</a:t>
+              <a:t>人を超えたら、「一日の新規感染者を</a:t>
             </a:r>
             <a:r>
               <a:rPr lang="en-US" altLang="ja-JP" kern="100" dirty="0">
@@ -7539,29 +7506,7 @@
                 <a:ea typeface="游明朝" panose="02020400000000000000" pitchFamily="18" charset="-128"/>
                 <a:cs typeface="Times New Roman" panose="02020603050405020304" pitchFamily="18" charset="0"/>
               </a:rPr>
-              <a:t>人</a:t>
-            </a:r>
-            <a:r>
-              <a:rPr lang="ja-JP" altLang="en-US" sz="3200" kern="100" dirty="0" smtClean="0">
-                <a:solidFill>
-                  <a:srgbClr val="000000"/>
-                </a:solidFill>
-                <a:latin typeface="游明朝" panose="02020400000000000000" pitchFamily="18" charset="-128"/>
-                <a:ea typeface="游明朝" panose="02020400000000000000" pitchFamily="18" charset="-128"/>
-                <a:cs typeface="Times New Roman" panose="02020603050405020304" pitchFamily="18" charset="0"/>
-              </a:rPr>
-              <a:t>」で</a:t>
-            </a:r>
-            <a:r>
-              <a:rPr lang="ja-JP" altLang="en-US" sz="3200" kern="100" dirty="0">
-                <a:solidFill>
-                  <a:srgbClr val="000000"/>
-                </a:solidFill>
-                <a:latin typeface="游明朝" panose="02020400000000000000" pitchFamily="18" charset="-128"/>
-                <a:ea typeface="游明朝" panose="02020400000000000000" pitchFamily="18" charset="-128"/>
-                <a:cs typeface="Times New Roman" panose="02020603050405020304" pitchFamily="18" charset="0"/>
-              </a:rPr>
-              <a:t>は</a:t>
+              <a:t>人」では</a:t>
             </a:r>
             <a:r>
               <a:rPr lang="en-US" altLang="ja-JP" sz="3200" kern="100" dirty="0">
@@ -7908,18 +7853,7 @@
                 <a:ea typeface="游明朝" panose="02020400000000000000" pitchFamily="18" charset="-128"/>
                 <a:cs typeface="Times New Roman" panose="02020603050405020304" pitchFamily="18" charset="0"/>
               </a:rPr>
-              <a:t>「再度緊急事態宣言」</a:t>
-            </a:r>
-            <a:r>
-              <a:rPr lang="ja-JP" altLang="en-US" kern="100" dirty="0" smtClean="0">
-                <a:solidFill>
-                  <a:srgbClr val="000000"/>
-                </a:solidFill>
-                <a:latin typeface="游明朝" panose="02020400000000000000" pitchFamily="18" charset="-128"/>
-                <a:ea typeface="游明朝" panose="02020400000000000000" pitchFamily="18" charset="-128"/>
-                <a:cs typeface="Times New Roman" panose="02020603050405020304" pitchFamily="18" charset="0"/>
-              </a:rPr>
-              <a:t>を避けるには多くて４５０人</a:t>
+              <a:t>「再度緊急事態宣言」を避けるには多くて４５０人</a:t>
             </a:r>
             <a:endParaRPr lang="en-US" altLang="ja-JP" kern="100" dirty="0">
               <a:solidFill>
@@ -7936,7 +7870,7 @@
               <a:buChar char="Ø"/>
             </a:pPr>
             <a:r>
-              <a:rPr lang="ja-JP" altLang="en-US" kern="100" dirty="0" smtClean="0">
+              <a:rPr lang="ja-JP" altLang="en-US" kern="100" dirty="0">
                 <a:solidFill>
                   <a:srgbClr val="000000"/>
                 </a:solidFill>
@@ -7947,7 +7881,7 @@
               <a:t>「</a:t>
             </a:r>
             <a:r>
-              <a:rPr lang="en-US" altLang="ja-JP" kern="100" dirty="0" smtClean="0">
+              <a:rPr lang="en-US" altLang="ja-JP" kern="100" dirty="0">
                 <a:solidFill>
                   <a:srgbClr val="000000"/>
                 </a:solidFill>
@@ -7958,7 +7892,7 @@
               <a:t>200</a:t>
             </a:r>
             <a:r>
-              <a:rPr lang="ja-JP" altLang="en-US" kern="100" dirty="0" smtClean="0">
+              <a:rPr lang="ja-JP" altLang="en-US" kern="100" dirty="0">
                 <a:solidFill>
                   <a:srgbClr val="000000"/>
                 </a:solidFill>
@@ -7969,7 +7903,7 @@
               <a:t>－</a:t>
             </a:r>
             <a:r>
-              <a:rPr lang="en-US" altLang="ja-JP" kern="100" dirty="0" smtClean="0">
+              <a:rPr lang="en-US" altLang="ja-JP" kern="100" dirty="0">
                 <a:solidFill>
                   <a:srgbClr val="000000"/>
                 </a:solidFill>
@@ -7980,7 +7914,7 @@
               <a:t>300</a:t>
             </a:r>
             <a:r>
-              <a:rPr lang="ja-JP" altLang="en-US" kern="100" dirty="0" smtClean="0">
+              <a:rPr lang="ja-JP" altLang="en-US" kern="100" dirty="0">
                 <a:solidFill>
                   <a:srgbClr val="000000"/>
                 </a:solidFill>
@@ -8538,21 +8472,10 @@
                 <a:ea typeface="游明朝" panose="02020400000000000000" pitchFamily="18" charset="-128"/>
                 <a:cs typeface="Times New Roman" panose="02020603050405020304" pitchFamily="18" charset="0"/>
               </a:rPr>
-              <a:t>人</a:t>
-            </a:r>
-            <a:r>
-              <a:rPr lang="ja-JP" altLang="en-US" sz="3200" kern="100" dirty="0" smtClean="0">
-                <a:solidFill>
-                  <a:srgbClr val="000000"/>
-                </a:solidFill>
-                <a:latin typeface="游明朝" panose="02020400000000000000" pitchFamily="18" charset="-128"/>
-                <a:ea typeface="游明朝" panose="02020400000000000000" pitchFamily="18" charset="-128"/>
-                <a:cs typeface="Times New Roman" panose="02020603050405020304" pitchFamily="18" charset="0"/>
-              </a:rPr>
-              <a:t>」でも</a:t>
-            </a:r>
-            <a:r>
-              <a:rPr lang="en-US" altLang="ja-JP" sz="3200" kern="100" dirty="0" smtClean="0">
+              <a:t>人」でも</a:t>
+            </a:r>
+            <a:r>
+              <a:rPr lang="en-US" altLang="ja-JP" sz="3200" kern="100" dirty="0">
                 <a:solidFill>
                   <a:srgbClr val="000000"/>
                 </a:solidFill>
@@ -8872,7 +8795,7 @@
               <a:t>=1</a:t>
             </a:r>
             <a:r>
-              <a:rPr lang="ja-JP" altLang="en-US" kern="100" dirty="0" smtClean="0">
+              <a:rPr lang="ja-JP" altLang="en-US" kern="100" dirty="0">
                 <a:solidFill>
                   <a:srgbClr val="000000"/>
                 </a:solidFill>
@@ -8883,7 +8806,7 @@
               <a:t>日</a:t>
             </a:r>
             <a:r>
-              <a:rPr lang="en-US" altLang="ja-JP" kern="100" dirty="0" smtClean="0">
+              <a:rPr lang="en-US" altLang="ja-JP" kern="100" dirty="0">
                 <a:solidFill>
                   <a:srgbClr val="000000"/>
                 </a:solidFill>
@@ -8937,21 +8860,10 @@
                 <a:ea typeface="游明朝" panose="02020400000000000000" pitchFamily="18" charset="-128"/>
                 <a:cs typeface="Times New Roman" panose="02020603050405020304" pitchFamily="18" charset="0"/>
               </a:rPr>
-              <a:t>次善の策としては「緩やかな収束</a:t>
-            </a:r>
-            <a:r>
-              <a:rPr lang="ja-JP" altLang="en-US" kern="100" dirty="0" smtClean="0">
-                <a:solidFill>
-                  <a:srgbClr val="000000"/>
-                </a:solidFill>
-                <a:latin typeface="游明朝" panose="02020400000000000000" pitchFamily="18" charset="-128"/>
-                <a:ea typeface="游明朝" panose="02020400000000000000" pitchFamily="18" charset="-128"/>
-                <a:cs typeface="Times New Roman" panose="02020603050405020304" pitchFamily="18" charset="0"/>
-              </a:rPr>
-              <a:t>＆</a:t>
-            </a:r>
-            <a:r>
-              <a:rPr lang="en-US" altLang="ja-JP" kern="100" dirty="0" smtClean="0">
+              <a:t>次善の策としては「緩やかな収束＆</a:t>
+            </a:r>
+            <a:r>
+              <a:rPr lang="en-US" altLang="ja-JP" kern="100" dirty="0">
                 <a:solidFill>
                   <a:srgbClr val="000000"/>
                 </a:solidFill>
@@ -8962,17 +8874,6 @@
               <a:t>Moderate</a:t>
             </a:r>
             <a:r>
-              <a:rPr lang="ja-JP" altLang="en-US" kern="100" dirty="0" smtClean="0">
-                <a:solidFill>
-                  <a:srgbClr val="000000"/>
-                </a:solidFill>
-                <a:latin typeface="游明朝" panose="02020400000000000000" pitchFamily="18" charset="-128"/>
-                <a:ea typeface="游明朝" panose="02020400000000000000" pitchFamily="18" charset="-128"/>
-                <a:cs typeface="Times New Roman" panose="02020603050405020304" pitchFamily="18" charset="0"/>
-              </a:rPr>
-              <a:t>な基</a:t>
-            </a:r>
-            <a:r>
               <a:rPr lang="ja-JP" altLang="en-US" kern="100" dirty="0">
                 <a:solidFill>
                   <a:srgbClr val="000000"/>
@@ -8981,7 +8882,7 @@
                 <a:ea typeface="游明朝" panose="02020400000000000000" pitchFamily="18" charset="-128"/>
                 <a:cs typeface="Times New Roman" panose="02020603050405020304" pitchFamily="18" charset="0"/>
               </a:rPr>
-              <a:t>準」</a:t>
+              <a:t>な基準」</a:t>
             </a:r>
             <a:endParaRPr lang="en-US" altLang="ja-JP" kern="100" dirty="0">
               <a:solidFill>
@@ -8998,7 +8899,7 @@
               <a:buChar char="Ø"/>
             </a:pPr>
             <a:r>
-              <a:rPr lang="en-US" altLang="ja-JP" kern="100" dirty="0" smtClean="0">
+              <a:rPr lang="en-US" altLang="ja-JP" kern="100" dirty="0">
                 <a:solidFill>
                   <a:srgbClr val="000000"/>
                 </a:solidFill>
@@ -9009,28 +8910,6 @@
               <a:t>Moderate</a:t>
             </a:r>
             <a:r>
-              <a:rPr lang="ja-JP" altLang="en-US" kern="100" dirty="0" smtClean="0">
-                <a:solidFill>
-                  <a:srgbClr val="000000"/>
-                </a:solidFill>
-                <a:latin typeface="游明朝" panose="02020400000000000000" pitchFamily="18" charset="-128"/>
-                <a:ea typeface="游明朝" panose="02020400000000000000" pitchFamily="18" charset="-128"/>
-                <a:cs typeface="Times New Roman" panose="02020603050405020304" pitchFamily="18" charset="0"/>
-              </a:rPr>
-              <a:t>な</a:t>
-            </a:r>
-            <a:r>
-              <a:rPr lang="ja-JP" altLang="en-US" kern="100" dirty="0" smtClean="0">
-                <a:solidFill>
-                  <a:srgbClr val="000000"/>
-                </a:solidFill>
-                <a:latin typeface="游明朝" panose="02020400000000000000" pitchFamily="18" charset="-128"/>
-                <a:ea typeface="游明朝" panose="02020400000000000000" pitchFamily="18" charset="-128"/>
-                <a:cs typeface="Times New Roman" panose="02020603050405020304" pitchFamily="18" charset="0"/>
-              </a:rPr>
-              <a:t>基</a:t>
-            </a:r>
-            <a:r>
               <a:rPr lang="ja-JP" altLang="en-US" kern="100" dirty="0">
                 <a:solidFill>
                   <a:srgbClr val="000000"/>
@@ -9039,7 +8918,7 @@
                 <a:ea typeface="游明朝" panose="02020400000000000000" pitchFamily="18" charset="-128"/>
                 <a:cs typeface="Times New Roman" panose="02020603050405020304" pitchFamily="18" charset="0"/>
               </a:rPr>
-              <a:t>準</a:t>
+              <a:t>な基準</a:t>
             </a:r>
             <a:r>
               <a:rPr lang="en-US" altLang="ja-JP" kern="100" dirty="0">
@@ -9053,7 +8932,7 @@
               <a:t>=1</a:t>
             </a:r>
             <a:r>
-              <a:rPr lang="ja-JP" altLang="en-US" kern="100" dirty="0" smtClean="0">
+              <a:rPr lang="ja-JP" altLang="en-US" kern="100" dirty="0">
                 <a:solidFill>
                   <a:srgbClr val="000000"/>
                 </a:solidFill>
@@ -9064,7 +8943,7 @@
               <a:t>日</a:t>
             </a:r>
             <a:r>
-              <a:rPr lang="en-US" altLang="ja-JP" kern="100" dirty="0" smtClean="0">
+              <a:rPr lang="en-US" altLang="ja-JP" kern="100" dirty="0">
                 <a:solidFill>
                   <a:srgbClr val="000000"/>
                 </a:solidFill>
@@ -9075,17 +8954,6 @@
               <a:t>300</a:t>
             </a:r>
             <a:r>
-              <a:rPr lang="ja-JP" altLang="en-US" kern="100" dirty="0" smtClean="0">
-                <a:solidFill>
-                  <a:srgbClr val="000000"/>
-                </a:solidFill>
-                <a:latin typeface="游明朝" panose="02020400000000000000" pitchFamily="18" charset="-128"/>
-                <a:ea typeface="游明朝" panose="02020400000000000000" pitchFamily="18" charset="-128"/>
-                <a:cs typeface="Times New Roman" panose="02020603050405020304" pitchFamily="18" charset="0"/>
-              </a:rPr>
-              <a:t>人</a:t>
-            </a:r>
-            <a:r>
               <a:rPr lang="ja-JP" altLang="en-US" kern="100" dirty="0">
                 <a:solidFill>
                   <a:srgbClr val="000000"/>
@@ -9094,7 +8962,7 @@
                 <a:ea typeface="游明朝" panose="02020400000000000000" pitchFamily="18" charset="-128"/>
                 <a:cs typeface="Times New Roman" panose="02020603050405020304" pitchFamily="18" charset="0"/>
               </a:rPr>
-              <a:t>程で解除</a:t>
+              <a:t>人程で解除</a:t>
             </a:r>
             <a:endParaRPr lang="en-US" altLang="ja-JP" kern="100" dirty="0">
               <a:solidFill>
@@ -9152,29 +9020,7 @@
                 <a:ea typeface="游明朝" panose="02020400000000000000" pitchFamily="18" charset="-128"/>
                 <a:cs typeface="Times New Roman" panose="02020603050405020304" pitchFamily="18" charset="0"/>
               </a:rPr>
-              <a:t>「早い収束・高い基準」：経済</a:t>
-            </a:r>
-            <a:r>
-              <a:rPr lang="ja-JP" altLang="en-US" kern="100" dirty="0" smtClean="0">
-                <a:solidFill>
-                  <a:srgbClr val="000000"/>
-                </a:solidFill>
-                <a:latin typeface="游明朝" panose="02020400000000000000" pitchFamily="18" charset="-128"/>
-                <a:ea typeface="游明朝" panose="02020400000000000000" pitchFamily="18" charset="-128"/>
-                <a:cs typeface="Times New Roman" panose="02020603050405020304" pitchFamily="18" charset="0"/>
-              </a:rPr>
-              <a:t>と命の</a:t>
-            </a:r>
-            <a:r>
-              <a:rPr lang="ja-JP" altLang="en-US" kern="100" dirty="0">
-                <a:solidFill>
-                  <a:srgbClr val="000000"/>
-                </a:solidFill>
-                <a:latin typeface="游明朝" panose="02020400000000000000" pitchFamily="18" charset="-128"/>
-                <a:ea typeface="游明朝" panose="02020400000000000000" pitchFamily="18" charset="-128"/>
-                <a:cs typeface="Times New Roman" panose="02020603050405020304" pitchFamily="18" charset="0"/>
-              </a:rPr>
-              <a:t>両方にとって望ましくない</a:t>
+              <a:t>「早い収束・高い基準」：経済と命の両方にとって望ましくない</a:t>
             </a:r>
             <a:endParaRPr lang="en-US" altLang="ja-JP" kern="100" dirty="0">
               <a:solidFill>
@@ -9199,18 +9045,7 @@
                 <a:ea typeface="游明朝" panose="02020400000000000000" pitchFamily="18" charset="-128"/>
                 <a:cs typeface="Times New Roman" panose="02020603050405020304" pitchFamily="18" charset="0"/>
               </a:rPr>
-              <a:t>「緩やかな収束・低い基準」：命にとっては望ましいが、経済の犠牲が大き</a:t>
-            </a:r>
-            <a:r>
-              <a:rPr lang="ja-JP" altLang="en-US" kern="100" dirty="0" smtClean="0">
-                <a:solidFill>
-                  <a:srgbClr val="000000"/>
-                </a:solidFill>
-                <a:latin typeface="游明朝" panose="02020400000000000000" pitchFamily="18" charset="-128"/>
-                <a:ea typeface="游明朝" panose="02020400000000000000" pitchFamily="18" charset="-128"/>
-                <a:cs typeface="Times New Roman" panose="02020603050405020304" pitchFamily="18" charset="0"/>
-              </a:rPr>
-              <a:t>い</a:t>
+              <a:t>「緩やかな収束・低い基準」：命にとっては望ましいが、経済の犠牲が大きい</a:t>
             </a:r>
             <a:endParaRPr lang="en-US" altLang="ja-JP" kern="100" dirty="0">
               <a:solidFill>
@@ -9413,18 +9248,7 @@
                 <a:ea typeface="游明朝" panose="02020400000000000000" pitchFamily="18" charset="-128"/>
                 <a:cs typeface="Times New Roman" panose="02020603050405020304" pitchFamily="18" charset="0"/>
               </a:rPr>
-              <a:t>ベースラインは東京だけで週２０万本のワクチン接</a:t>
-            </a:r>
-            <a:r>
-              <a:rPr lang="ja-JP" altLang="en-US" kern="100" dirty="0" smtClean="0">
-                <a:solidFill>
-                  <a:srgbClr val="000000"/>
-                </a:solidFill>
-                <a:latin typeface="游明朝" panose="02020400000000000000" pitchFamily="18" charset="-128"/>
-                <a:ea typeface="游明朝" panose="02020400000000000000" pitchFamily="18" charset="-128"/>
-                <a:cs typeface="Times New Roman" panose="02020603050405020304" pitchFamily="18" charset="0"/>
-              </a:rPr>
-              <a:t>種（上の基本シナリオ）</a:t>
+              <a:t>ベースラインは東京だけで週２０万本のワクチン接種（上の基本シナリオ）</a:t>
             </a:r>
             <a:endParaRPr lang="en-US" altLang="ja-JP" kern="100" dirty="0">
               <a:solidFill>
@@ -9457,51 +9281,7 @@
                 <a:ea typeface="游明朝" panose="02020400000000000000" pitchFamily="18" charset="-128"/>
                 <a:cs typeface="Times New Roman" panose="02020603050405020304" pitchFamily="18" charset="0"/>
               </a:rPr>
-              <a:t>半分</a:t>
-            </a:r>
-            <a:r>
-              <a:rPr lang="ja-JP" altLang="en-US" kern="100" dirty="0">
-                <a:solidFill>
-                  <a:srgbClr val="000000"/>
-                </a:solidFill>
-                <a:latin typeface="游明朝" panose="02020400000000000000" pitchFamily="18" charset="-128"/>
-                <a:ea typeface="游明朝" panose="02020400000000000000" pitchFamily="18" charset="-128"/>
-                <a:cs typeface="Times New Roman" panose="02020603050405020304" pitchFamily="18" charset="0"/>
-              </a:rPr>
-              <a:t>の週１</a:t>
-            </a:r>
-            <a:r>
-              <a:rPr lang="ja-JP" altLang="en-US" kern="100" dirty="0">
-                <a:solidFill>
-                  <a:srgbClr val="000000"/>
-                </a:solidFill>
-                <a:latin typeface="游明朝" panose="02020400000000000000" pitchFamily="18" charset="-128"/>
-                <a:ea typeface="游明朝" panose="02020400000000000000" pitchFamily="18" charset="-128"/>
-                <a:cs typeface="Times New Roman" panose="02020603050405020304" pitchFamily="18" charset="0"/>
-              </a:rPr>
-              <a:t>０万本、倍</a:t>
-            </a:r>
-            <a:r>
-              <a:rPr lang="ja-JP" altLang="en-US" kern="100" dirty="0">
-                <a:solidFill>
-                  <a:srgbClr val="000000"/>
-                </a:solidFill>
-                <a:latin typeface="游明朝" panose="02020400000000000000" pitchFamily="18" charset="-128"/>
-                <a:ea typeface="游明朝" panose="02020400000000000000" pitchFamily="18" charset="-128"/>
-                <a:cs typeface="Times New Roman" panose="02020603050405020304" pitchFamily="18" charset="0"/>
-              </a:rPr>
-              <a:t>の週４</a:t>
-            </a:r>
-            <a:r>
-              <a:rPr lang="ja-JP" altLang="en-US" kern="100" dirty="0">
-                <a:solidFill>
-                  <a:srgbClr val="000000"/>
-                </a:solidFill>
-                <a:latin typeface="游明朝" panose="02020400000000000000" pitchFamily="18" charset="-128"/>
-                <a:ea typeface="游明朝" panose="02020400000000000000" pitchFamily="18" charset="-128"/>
-                <a:cs typeface="Times New Roman" panose="02020603050405020304" pitchFamily="18" charset="0"/>
-              </a:rPr>
-              <a:t>０万本のケースをシミュレーション</a:t>
+              <a:t>半分の週１０万本、倍の週４０万本のケースをシミュレーション</a:t>
             </a:r>
             <a:endParaRPr lang="en-US" altLang="ja-JP" kern="100" dirty="0">
               <a:solidFill>
